--- a/Bài Báo Cáo Nhóm 11.pptx
+++ b/Bài Báo Cáo Nhóm 11.pptx
@@ -12,6 +12,7 @@
     <p:sldId id="260" r:id="rId6"/>
     <p:sldId id="261" r:id="rId7"/>
     <p:sldId id="262" r:id="rId8"/>
+    <p:sldId id="263" r:id="rId9"/>
   </p:sldIdLst>
   <p:sldSz cx="12192000" cy="6858000"/>
   <p:notesSz cx="6858000" cy="9144000"/>
@@ -126,6 +127,7 @@
             <p14:sldId id="260"/>
             <p14:sldId id="261"/>
             <p14:sldId id="262"/>
+            <p14:sldId id="263"/>
           </p14:sldIdLst>
         </p14:section>
       </p14:sectionLst>
@@ -6498,6 +6500,149 @@
 </p:sld>
 </file>
 
+<file path=ppt/slides/slide8.xml><?xml version="1.0" encoding="utf-8"?>
+<p:sld xmlns:a="http://schemas.openxmlformats.org/drawingml/2006/main" xmlns:r="http://schemas.openxmlformats.org/officeDocument/2006/relationships" xmlns:p="http://schemas.openxmlformats.org/presentationml/2006/main">
+  <p:cSld>
+    <p:spTree>
+      <p:nvGrpSpPr>
+        <p:cNvPr id="1" name=""/>
+        <p:cNvGrpSpPr/>
+        <p:nvPr/>
+      </p:nvGrpSpPr>
+      <p:grpSpPr>
+        <a:xfrm>
+          <a:off x="0" y="0"/>
+          <a:ext cx="0" cy="0"/>
+          <a:chOff x="0" y="0"/>
+          <a:chExt cx="0" cy="0"/>
+        </a:xfrm>
+      </p:grpSpPr>
+      <p:sp>
+        <p:nvSpPr>
+          <p:cNvPr id="2" name="Title 1">
+            <a:extLst>
+              <a:ext uri="{FF2B5EF4-FFF2-40B4-BE49-F238E27FC236}">
+                <a16:creationId xmlns:a16="http://schemas.microsoft.com/office/drawing/2014/main" id="{24C8DB1B-4059-4633-86FD-653F802CDA13}"/>
+              </a:ext>
+            </a:extLst>
+          </p:cNvPr>
+          <p:cNvSpPr>
+            <a:spLocks noGrp="1"/>
+          </p:cNvSpPr>
+          <p:nvPr>
+            <p:ph type="title"/>
+          </p:nvPr>
+        </p:nvSpPr>
+        <p:spPr>
+          <a:xfrm>
+            <a:off x="804672" y="804672"/>
+            <a:ext cx="4486656" cy="1141497"/>
+          </a:xfrm>
+        </p:spPr>
+        <p:txBody>
+          <a:bodyPr/>
+          <a:lstStyle/>
+          <a:p>
+            <a:r>
+              <a:rPr lang="vi-VN"/>
+              <a:t>Sơ đồ uml</a:t>
+            </a:r>
+          </a:p>
+        </p:txBody>
+      </p:sp>
+      <p:sp>
+        <p:nvSpPr>
+          <p:cNvPr id="3" name="Content Placeholder 2">
+            <a:extLst>
+              <a:ext uri="{FF2B5EF4-FFF2-40B4-BE49-F238E27FC236}">
+                <a16:creationId xmlns:a16="http://schemas.microsoft.com/office/drawing/2014/main" id="{351F90F0-E4A7-424B-8B3B-F52720793AC8}"/>
+              </a:ext>
+            </a:extLst>
+          </p:cNvPr>
+          <p:cNvSpPr>
+            <a:spLocks noGrp="1"/>
+          </p:cNvSpPr>
+          <p:nvPr>
+            <p:ph idx="1"/>
+          </p:nvPr>
+        </p:nvSpPr>
+        <p:spPr/>
+        <p:txBody>
+          <a:bodyPr/>
+          <a:lstStyle/>
+          <a:p>
+            <a:endParaRPr lang="vi-VN"/>
+          </a:p>
+        </p:txBody>
+      </p:sp>
+      <p:sp>
+        <p:nvSpPr>
+          <p:cNvPr id="4" name="Text Placeholder 3">
+            <a:extLst>
+              <a:ext uri="{FF2B5EF4-FFF2-40B4-BE49-F238E27FC236}">
+                <a16:creationId xmlns:a16="http://schemas.microsoft.com/office/drawing/2014/main" id="{4A8624D8-5E93-45F6-9FE5-1E7FDB4E1C0E}"/>
+              </a:ext>
+            </a:extLst>
+          </p:cNvPr>
+          <p:cNvSpPr>
+            <a:spLocks noGrp="1"/>
+          </p:cNvSpPr>
+          <p:nvPr>
+            <p:ph type="body" sz="half" idx="2"/>
+          </p:nvPr>
+        </p:nvSpPr>
+        <p:spPr/>
+        <p:txBody>
+          <a:bodyPr/>
+          <a:lstStyle/>
+          <a:p>
+            <a:endParaRPr lang="vi-VN"/>
+          </a:p>
+        </p:txBody>
+      </p:sp>
+      <p:pic>
+        <p:nvPicPr>
+          <p:cNvPr id="6" name="Picture 5">
+            <a:extLst>
+              <a:ext uri="{FF2B5EF4-FFF2-40B4-BE49-F238E27FC236}">
+                <a16:creationId xmlns:a16="http://schemas.microsoft.com/office/drawing/2014/main" id="{E5BA1187-7D10-4B98-B55A-2D224AEEB511}"/>
+              </a:ext>
+            </a:extLst>
+          </p:cNvPr>
+          <p:cNvPicPr>
+            <a:picLocks noChangeAspect="1"/>
+          </p:cNvPicPr>
+          <p:nvPr/>
+        </p:nvPicPr>
+        <p:blipFill>
+          <a:blip r:embed="rId2"/>
+          <a:stretch>
+            <a:fillRect/>
+          </a:stretch>
+        </p:blipFill>
+        <p:spPr>
+          <a:xfrm>
+            <a:off x="809297" y="2134594"/>
+            <a:ext cx="9963806" cy="3918734"/>
+          </a:xfrm>
+          <a:prstGeom prst="rect">
+            <a:avLst/>
+          </a:prstGeom>
+        </p:spPr>
+      </p:pic>
+    </p:spTree>
+    <p:extLst>
+      <p:ext uri="{BB962C8B-B14F-4D97-AF65-F5344CB8AC3E}">
+        <p14:creationId xmlns:p14="http://schemas.microsoft.com/office/powerpoint/2010/main" val="869733867"/>
+      </p:ext>
+    </p:extLst>
+  </p:cSld>
+  <p:clrMapOvr>
+    <a:masterClrMapping/>
+  </p:clrMapOvr>
+</p:sld>
+</file>
+
 <file path=ppt/theme/theme1.xml><?xml version="1.0" encoding="utf-8"?>
 <a:theme xmlns:a="http://schemas.openxmlformats.org/drawingml/2006/main" name="Parcel">
   <a:themeElements>
